--- a/Analisis-COVID.pptx
+++ b/Analisis-COVID.pptx
@@ -3305,6 +3305,13 @@
             <a:r>
               <a:rPr b="1"/>
               <a:t>Metodología</a:t>
+            </a:r>
+          </a:p>
+          <a:p>
+            <a:pPr lvl="0"/>
+            <a:r>
+              <a:rPr/>
+              <a:t>Se obtuvo una base de datos con tweets en español durante abril de 2020 (contexto del COVID-19) a través de kaggle.</a:t>
             </a:r>
           </a:p>
           <a:p>
